--- a/voice recognised graph calculator.pptx
+++ b/voice recognised graph calculator.pptx
@@ -5883,7 +5883,7 @@
                 <a14:useLocalDpi xmlns:a14="http://schemas.microsoft.com/office/drawing/2010/main" val="0"/>
               </a:ext>
               <a:ext uri="{96DAC541-7B7A-43D3-8B79-37D633B846F1}">
-                <asvg:svgBlip xmlns="" xmlns:asvg="http://schemas.microsoft.com/office/drawing/2016/SVG/main" r:embed="rId2"/>
+                <asvg:svgBlip xmlns:asvg="http://schemas.microsoft.com/office/drawing/2016/SVG/main" xmlns="" r:embed="rId2"/>
               </a:ext>
             </a:extLst>
           </a:blip>
@@ -5950,7 +5950,7 @@
                 <a14:useLocalDpi xmlns:a14="http://schemas.microsoft.com/office/drawing/2010/main" val="0"/>
               </a:ext>
               <a:ext uri="{96DAC541-7B7A-43D3-8B79-37D633B846F1}">
-                <asvg:svgBlip xmlns="" xmlns:asvg="http://schemas.microsoft.com/office/drawing/2016/SVG/main" r:embed="rId4"/>
+                <asvg:svgBlip xmlns:asvg="http://schemas.microsoft.com/office/drawing/2016/SVG/main" xmlns="" r:embed="rId4"/>
               </a:ext>
             </a:extLst>
           </a:blip>
@@ -6017,7 +6017,7 @@
                 <a14:useLocalDpi xmlns:a14="http://schemas.microsoft.com/office/drawing/2010/main" val="0"/>
               </a:ext>
               <a:ext uri="{96DAC541-7B7A-43D3-8B79-37D633B846F1}">
-                <asvg:svgBlip xmlns="" xmlns:asvg="http://schemas.microsoft.com/office/drawing/2016/SVG/main" r:embed="rId6"/>
+                <asvg:svgBlip xmlns:asvg="http://schemas.microsoft.com/office/drawing/2016/SVG/main" xmlns="" r:embed="rId6"/>
               </a:ext>
             </a:extLst>
           </a:blip>
@@ -6264,7 +6264,7 @@
                 <a14:useLocalDpi xmlns:a14="http://schemas.microsoft.com/office/drawing/2010/main" val="0"/>
               </a:ext>
               <a:ext uri="{96DAC541-7B7A-43D3-8B79-37D633B846F1}">
-                <asvg:svgBlip xmlns="" xmlns:asvg="http://schemas.microsoft.com/office/drawing/2016/SVG/main" r:embed="rId2"/>
+                <asvg:svgBlip xmlns:asvg="http://schemas.microsoft.com/office/drawing/2016/SVG/main" xmlns="" r:embed="rId2"/>
               </a:ext>
             </a:extLst>
           </a:blip>
@@ -6331,7 +6331,7 @@
                 <a14:useLocalDpi xmlns:a14="http://schemas.microsoft.com/office/drawing/2010/main" val="0"/>
               </a:ext>
               <a:ext uri="{96DAC541-7B7A-43D3-8B79-37D633B846F1}">
-                <asvg:svgBlip xmlns="" xmlns:asvg="http://schemas.microsoft.com/office/drawing/2016/SVG/main" r:embed="rId4"/>
+                <asvg:svgBlip xmlns:asvg="http://schemas.microsoft.com/office/drawing/2016/SVG/main" xmlns="" r:embed="rId4"/>
               </a:ext>
             </a:extLst>
           </a:blip>
@@ -6398,7 +6398,7 @@
                 <a14:useLocalDpi xmlns:a14="http://schemas.microsoft.com/office/drawing/2010/main" val="0"/>
               </a:ext>
               <a:ext uri="{96DAC541-7B7A-43D3-8B79-37D633B846F1}">
-                <asvg:svgBlip xmlns="" xmlns:asvg="http://schemas.microsoft.com/office/drawing/2016/SVG/main" r:embed="rId6"/>
+                <asvg:svgBlip xmlns:asvg="http://schemas.microsoft.com/office/drawing/2016/SVG/main" xmlns="" r:embed="rId6"/>
               </a:ext>
             </a:extLst>
           </a:blip>
@@ -8508,7 +8508,7 @@
                 <a14:useLocalDpi xmlns:a14="http://schemas.microsoft.com/office/drawing/2010/main" val="0"/>
               </a:ext>
               <a:ext uri="{96DAC541-7B7A-43D3-8B79-37D633B846F1}">
-                <asvg:svgBlip xmlns="" xmlns:asvg="http://schemas.microsoft.com/office/drawing/2016/SVG/main" r:embed="rId2"/>
+                <asvg:svgBlip xmlns:asvg="http://schemas.microsoft.com/office/drawing/2016/SVG/main" xmlns="" r:embed="rId2"/>
               </a:ext>
             </a:extLst>
           </a:blip>
@@ -8657,7 +8657,7 @@
                 <a14:useLocalDpi xmlns:a14="http://schemas.microsoft.com/office/drawing/2010/main" val="0"/>
               </a:ext>
               <a:ext uri="{96DAC541-7B7A-43D3-8B79-37D633B846F1}">
-                <asvg:svgBlip xmlns="" xmlns:asvg="http://schemas.microsoft.com/office/drawing/2016/SVG/main" r:embed="rId4"/>
+                <asvg:svgBlip xmlns:asvg="http://schemas.microsoft.com/office/drawing/2016/SVG/main" xmlns="" r:embed="rId4"/>
               </a:ext>
             </a:extLst>
           </a:blip>
@@ -8806,7 +8806,7 @@
                 <a14:useLocalDpi xmlns:a14="http://schemas.microsoft.com/office/drawing/2010/main" val="0"/>
               </a:ext>
               <a:ext uri="{96DAC541-7B7A-43D3-8B79-37D633B846F1}">
-                <asvg:svgBlip xmlns="" xmlns:asvg="http://schemas.microsoft.com/office/drawing/2016/SVG/main" r:embed="rId6"/>
+                <asvg:svgBlip xmlns:asvg="http://schemas.microsoft.com/office/drawing/2016/SVG/main" xmlns="" r:embed="rId6"/>
               </a:ext>
             </a:extLst>
           </a:blip>
@@ -8965,7 +8965,7 @@
                 <a14:useLocalDpi xmlns:a14="http://schemas.microsoft.com/office/drawing/2010/main" val="0"/>
               </a:ext>
               <a:ext uri="{96DAC541-7B7A-43D3-8B79-37D633B846F1}">
-                <asvg:svgBlip xmlns="" xmlns:asvg="http://schemas.microsoft.com/office/drawing/2016/SVG/main" r:embed="rId2"/>
+                <asvg:svgBlip xmlns:asvg="http://schemas.microsoft.com/office/drawing/2016/SVG/main" xmlns="" r:embed="rId2"/>
               </a:ext>
             </a:extLst>
           </a:blip>
@@ -9113,7 +9113,7 @@
                 <a14:useLocalDpi xmlns:a14="http://schemas.microsoft.com/office/drawing/2010/main" val="0"/>
               </a:ext>
               <a:ext uri="{96DAC541-7B7A-43D3-8B79-37D633B846F1}">
-                <asvg:svgBlip xmlns="" xmlns:asvg="http://schemas.microsoft.com/office/drawing/2016/SVG/main" r:embed="rId4"/>
+                <asvg:svgBlip xmlns:asvg="http://schemas.microsoft.com/office/drawing/2016/SVG/main" xmlns="" r:embed="rId4"/>
               </a:ext>
             </a:extLst>
           </a:blip>
@@ -9261,7 +9261,7 @@
                 <a14:useLocalDpi xmlns:a14="http://schemas.microsoft.com/office/drawing/2010/main" val="0"/>
               </a:ext>
               <a:ext uri="{96DAC541-7B7A-43D3-8B79-37D633B846F1}">
-                <asvg:svgBlip xmlns="" xmlns:asvg="http://schemas.microsoft.com/office/drawing/2016/SVG/main" r:embed="rId6"/>
+                <asvg:svgBlip xmlns:asvg="http://schemas.microsoft.com/office/drawing/2016/SVG/main" xmlns="" r:embed="rId6"/>
               </a:ext>
             </a:extLst>
           </a:blip>
@@ -13239,7 +13239,7 @@
   </dgm:layoutNode>
   <dgm:extLst>
     <a:ext uri="{68A01E43-0DF5-4B5B-8FA6-DAF915123BFB}">
-      <dgm1612:lstStyle xmlns="" xmlns:dgm1612="http://schemas.microsoft.com/office/drawing/2016/12/diagram">
+      <dgm1612:lstStyle xmlns:dgm1612="http://schemas.microsoft.com/office/drawing/2016/12/diagram" xmlns="">
         <a:lvl1pPr>
           <a:lnSpc>
             <a:spcPct val="100000"/>
@@ -13458,7 +13458,7 @@
   </dgm:layoutNode>
   <dgm:extLst>
     <a:ext uri="{68A01E43-0DF5-4B5B-8FA6-DAF915123BFB}">
-      <dgm1612:lstStyle xmlns="" xmlns:dgm1612="http://schemas.microsoft.com/office/drawing/2016/12/diagram">
+      <dgm1612:lstStyle xmlns:dgm1612="http://schemas.microsoft.com/office/drawing/2016/12/diagram" xmlns="">
         <a:lvl1pPr>
           <a:lnSpc>
             <a:spcPct val="100000"/>
@@ -20569,7 +20569,7 @@
           <a:p>
             <a:fld id="{F9176804-D1CA-4B22-AD52-744D48D764A1}" type="datetimeFigureOut">
               <a:rPr lang="en-IN" smtClean="0"/>
-              <a:t>03-04-2023</a:t>
+              <a:t>30-07-2023</a:t>
             </a:fld>
             <a:endParaRPr lang="en-IN"/>
           </a:p>
@@ -20893,7 +20893,7 @@
           <a:p>
             <a:fld id="{F9176804-D1CA-4B22-AD52-744D48D764A1}" type="datetimeFigureOut">
               <a:rPr lang="en-IN" smtClean="0"/>
-              <a:t>03-04-2023</a:t>
+              <a:t>30-07-2023</a:t>
             </a:fld>
             <a:endParaRPr lang="en-IN"/>
           </a:p>
@@ -21141,7 +21141,7 @@
           <a:p>
             <a:fld id="{F9176804-D1CA-4B22-AD52-744D48D764A1}" type="datetimeFigureOut">
               <a:rPr lang="en-IN" smtClean="0"/>
-              <a:t>03-04-2023</a:t>
+              <a:t>30-07-2023</a:t>
             </a:fld>
             <a:endParaRPr lang="en-IN"/>
           </a:p>
@@ -21480,7 +21480,7 @@
           <a:p>
             <a:fld id="{F9176804-D1CA-4B22-AD52-744D48D764A1}" type="datetimeFigureOut">
               <a:rPr lang="en-IN" smtClean="0"/>
-              <a:t>03-04-2023</a:t>
+              <a:t>30-07-2023</a:t>
             </a:fld>
             <a:endParaRPr lang="en-IN"/>
           </a:p>
@@ -21827,7 +21827,7 @@
           <a:p>
             <a:fld id="{F9176804-D1CA-4B22-AD52-744D48D764A1}" type="datetimeFigureOut">
               <a:rPr lang="en-IN" smtClean="0"/>
-              <a:t>03-04-2023</a:t>
+              <a:t>30-07-2023</a:t>
             </a:fld>
             <a:endParaRPr lang="en-IN"/>
           </a:p>
@@ -22201,7 +22201,7 @@
           <a:p>
             <a:fld id="{F9176804-D1CA-4B22-AD52-744D48D764A1}" type="datetimeFigureOut">
               <a:rPr lang="en-IN" smtClean="0"/>
-              <a:t>03-04-2023</a:t>
+              <a:t>30-07-2023</a:t>
             </a:fld>
             <a:endParaRPr lang="en-IN"/>
           </a:p>
@@ -22671,7 +22671,7 @@
           <a:p>
             <a:fld id="{F9176804-D1CA-4B22-AD52-744D48D764A1}" type="datetimeFigureOut">
               <a:rPr lang="en-IN" smtClean="0"/>
-              <a:t>03-04-2023</a:t>
+              <a:t>30-07-2023</a:t>
             </a:fld>
             <a:endParaRPr lang="en-IN"/>
           </a:p>
@@ -22876,7 +22876,7 @@
           <a:p>
             <a:fld id="{F9176804-D1CA-4B22-AD52-744D48D764A1}" type="datetimeFigureOut">
               <a:rPr lang="en-IN" smtClean="0"/>
-              <a:t>03-04-2023</a:t>
+              <a:t>30-07-2023</a:t>
             </a:fld>
             <a:endParaRPr lang="en-IN"/>
           </a:p>
@@ -23087,7 +23087,7 @@
           <a:p>
             <a:fld id="{F9176804-D1CA-4B22-AD52-744D48D764A1}" type="datetimeFigureOut">
               <a:rPr lang="en-IN" smtClean="0"/>
-              <a:t>03-04-2023</a:t>
+              <a:t>30-07-2023</a:t>
             </a:fld>
             <a:endParaRPr lang="en-IN"/>
           </a:p>
@@ -23319,7 +23319,7 @@
           <a:p>
             <a:fld id="{F9176804-D1CA-4B22-AD52-744D48D764A1}" type="datetimeFigureOut">
               <a:rPr lang="en-IN" smtClean="0"/>
-              <a:t>03-04-2023</a:t>
+              <a:t>30-07-2023</a:t>
             </a:fld>
             <a:endParaRPr lang="en-IN"/>
           </a:p>
@@ -23567,7 +23567,7 @@
           <a:p>
             <a:fld id="{F9176804-D1CA-4B22-AD52-744D48D764A1}" type="datetimeFigureOut">
               <a:rPr lang="en-IN" smtClean="0"/>
-              <a:t>03-04-2023</a:t>
+              <a:t>30-07-2023</a:t>
             </a:fld>
             <a:endParaRPr lang="en-IN"/>
           </a:p>
@@ -23865,7 +23865,7 @@
           <a:p>
             <a:fld id="{F9176804-D1CA-4B22-AD52-744D48D764A1}" type="datetimeFigureOut">
               <a:rPr lang="en-IN" smtClean="0"/>
-              <a:t>03-04-2023</a:t>
+              <a:t>30-07-2023</a:t>
             </a:fld>
             <a:endParaRPr lang="en-IN"/>
           </a:p>
@@ -24259,7 +24259,7 @@
           <a:p>
             <a:fld id="{F9176804-D1CA-4B22-AD52-744D48D764A1}" type="datetimeFigureOut">
               <a:rPr lang="en-IN" smtClean="0"/>
-              <a:t>03-04-2023</a:t>
+              <a:t>30-07-2023</a:t>
             </a:fld>
             <a:endParaRPr lang="en-IN"/>
           </a:p>
@@ -24408,7 +24408,7 @@
           <a:p>
             <a:fld id="{F9176804-D1CA-4B22-AD52-744D48D764A1}" type="datetimeFigureOut">
               <a:rPr lang="en-IN" smtClean="0"/>
-              <a:t>03-04-2023</a:t>
+              <a:t>30-07-2023</a:t>
             </a:fld>
             <a:endParaRPr lang="en-IN"/>
           </a:p>
@@ -24534,7 +24534,7 @@
           <a:p>
             <a:fld id="{F9176804-D1CA-4B22-AD52-744D48D764A1}" type="datetimeFigureOut">
               <a:rPr lang="en-IN" smtClean="0"/>
-              <a:t>03-04-2023</a:t>
+              <a:t>30-07-2023</a:t>
             </a:fld>
             <a:endParaRPr lang="en-IN"/>
           </a:p>
@@ -24789,7 +24789,7 @@
           <a:p>
             <a:fld id="{F9176804-D1CA-4B22-AD52-744D48D764A1}" type="datetimeFigureOut">
               <a:rPr lang="en-IN" smtClean="0"/>
-              <a:t>03-04-2023</a:t>
+              <a:t>30-07-2023</a:t>
             </a:fld>
             <a:endParaRPr lang="en-IN"/>
           </a:p>
@@ -25104,7 +25104,7 @@
           <a:p>
             <a:fld id="{F9176804-D1CA-4B22-AD52-744D48D764A1}" type="datetimeFigureOut">
               <a:rPr lang="en-IN" smtClean="0"/>
-              <a:t>03-04-2023</a:t>
+              <a:t>30-07-2023</a:t>
             </a:fld>
             <a:endParaRPr lang="en-IN"/>
           </a:p>
@@ -25455,7 +25455,7 @@
           <a:p>
             <a:fld id="{F9176804-D1CA-4B22-AD52-744D48D764A1}" type="datetimeFigureOut">
               <a:rPr lang="en-IN" smtClean="0"/>
-              <a:t>03-04-2023</a:t>
+              <a:t>30-07-2023</a:t>
             </a:fld>
             <a:endParaRPr lang="en-IN"/>
           </a:p>
@@ -26015,7 +26015,7 @@
                 <a16:creationId xmlns:a16="http://schemas.microsoft.com/office/drawing/2014/main" id="{D59C2C63-D709-4949-9465-29A52CBEDD3B}"/>
               </a:ext>
               <a:ext uri="{C183D7F6-B498-43B3-948B-1728B52AA6E4}">
-                <adec:decorative xmlns="" xmlns:adec="http://schemas.microsoft.com/office/drawing/2017/decorative" val="1"/>
+                <adec:decorative xmlns:adec="http://schemas.microsoft.com/office/drawing/2017/decorative" xmlns="" val="1"/>
               </a:ext>
             </a:extLst>
           </p:cNvPr>
@@ -26075,7 +26075,7 @@
                 <a16:creationId xmlns:a16="http://schemas.microsoft.com/office/drawing/2014/main" id="{0EFD2038-15D6-4003-8350-AFEC394EEFA7}"/>
               </a:ext>
               <a:ext uri="{C183D7F6-B498-43B3-948B-1728B52AA6E4}">
-                <adec:decorative xmlns="" xmlns:adec="http://schemas.microsoft.com/office/drawing/2017/decorative" val="1"/>
+                <adec:decorative xmlns:adec="http://schemas.microsoft.com/office/drawing/2017/decorative" xmlns="" val="1"/>
               </a:ext>
             </a:extLst>
           </p:cNvPr>
@@ -26161,7 +26161,7 @@
                 <a16:creationId xmlns:a16="http://schemas.microsoft.com/office/drawing/2014/main" id="{8CF519C2-F6BE-41BE-A50E-54B98359C914}"/>
               </a:ext>
               <a:ext uri="{C183D7F6-B498-43B3-948B-1728B52AA6E4}">
-                <adec:decorative xmlns="" xmlns:adec="http://schemas.microsoft.com/office/drawing/2017/decorative" val="1"/>
+                <adec:decorative xmlns:adec="http://schemas.microsoft.com/office/drawing/2017/decorative" xmlns="" val="1"/>
               </a:ext>
             </a:extLst>
           </p:cNvPr>
@@ -26215,7 +26215,7 @@
                 <a16:creationId xmlns:a16="http://schemas.microsoft.com/office/drawing/2014/main" id="{7767AD93-AD3E-4C62-97D5-E54E14B2EAD8}"/>
               </a:ext>
               <a:ext uri="{C183D7F6-B498-43B3-948B-1728B52AA6E4}">
-                <adec:decorative xmlns="" xmlns:adec="http://schemas.microsoft.com/office/drawing/2017/decorative" val="1"/>
+                <adec:decorative xmlns:adec="http://schemas.microsoft.com/office/drawing/2017/decorative" xmlns="" val="1"/>
               </a:ext>
             </a:extLst>
           </p:cNvPr>
@@ -26246,7 +26246,7 @@
                   <a16:creationId xmlns:a16="http://schemas.microsoft.com/office/drawing/2014/main" id="{AA443E8D-EC07-4B8F-B370-2A1153F350BC}"/>
                 </a:ext>
                 <a:ext uri="{C183D7F6-B498-43B3-948B-1728B52AA6E4}">
-                  <adec:decorative xmlns="" xmlns:adec="http://schemas.microsoft.com/office/drawing/2017/decorative" val="1"/>
+                  <adec:decorative xmlns:adec="http://schemas.microsoft.com/office/drawing/2017/decorative" xmlns="" val="1"/>
                 </a:ext>
               </a:extLst>
             </p:cNvPr>
@@ -26318,7 +26318,7 @@
                   <a16:creationId xmlns:a16="http://schemas.microsoft.com/office/drawing/2014/main" id="{841F0AA1-D12D-4FDB-BF66-D9398ED9303A}"/>
                 </a:ext>
                 <a:ext uri="{C183D7F6-B498-43B3-948B-1728B52AA6E4}">
-                  <adec:decorative xmlns="" xmlns:adec="http://schemas.microsoft.com/office/drawing/2017/decorative" val="1"/>
+                  <adec:decorative xmlns:adec="http://schemas.microsoft.com/office/drawing/2017/decorative" xmlns="" val="1"/>
                 </a:ext>
               </a:extLst>
             </p:cNvPr>
@@ -26362,7 +26362,7 @@
                   <a16:creationId xmlns:a16="http://schemas.microsoft.com/office/drawing/2014/main" id="{E2B949DE-0178-4942-80DE-811C1AA4FCAB}"/>
                 </a:ext>
                 <a:ext uri="{C183D7F6-B498-43B3-948B-1728B52AA6E4}">
-                  <adec:decorative xmlns="" xmlns:adec="http://schemas.microsoft.com/office/drawing/2017/decorative" val="1"/>
+                  <adec:decorative xmlns:adec="http://schemas.microsoft.com/office/drawing/2017/decorative" xmlns="" val="1"/>
                 </a:ext>
               </a:extLst>
             </p:cNvPr>
@@ -26434,7 +26434,7 @@
                   <a16:creationId xmlns:a16="http://schemas.microsoft.com/office/drawing/2014/main" id="{284AA86D-EAE1-4E3F-A54C-7F1E390B6DF5}"/>
                 </a:ext>
                 <a:ext uri="{C183D7F6-B498-43B3-948B-1728B52AA6E4}">
-                  <adec:decorative xmlns="" xmlns:adec="http://schemas.microsoft.com/office/drawing/2017/decorative" val="1"/>
+                  <adec:decorative xmlns:adec="http://schemas.microsoft.com/office/drawing/2017/decorative" xmlns="" val="1"/>
                 </a:ext>
               </a:extLst>
             </p:cNvPr>
@@ -26605,59 +26605,41 @@
                 <a:ea typeface="Times New Roman" panose="02020603050405020304" pitchFamily="18" charset="0"/>
                 <a:cs typeface="Times New Roman" panose="02020603050405020304" pitchFamily="18" charset="0"/>
               </a:rPr>
-              <a:t>SPEECH RECOGNIZED GRAPH CALCULATOR</a:t>
+              <a:t>SPEECH RECOGNIZED </a:t>
             </a:r>
-          </a:p>
-          <a:p>
-            <a:pPr>
-              <a:lnSpc>
-                <a:spcPct val="90000"/>
-              </a:lnSpc>
-            </a:pPr>
             <a:r>
-              <a:rPr lang="en-US" sz="1600" dirty="0">
+              <a:rPr lang="en-US" sz="1600">
                 <a:solidFill>
                   <a:schemeClr val="bg1"/>
                 </a:solidFill>
+                <a:effectLst/>
                 <a:latin typeface="Verdana" panose="020B0604030504040204" pitchFamily="34" charset="0"/>
+                <a:ea typeface="Times New Roman" panose="02020603050405020304" pitchFamily="18" charset="0"/>
                 <a:cs typeface="Times New Roman" panose="02020603050405020304" pitchFamily="18" charset="0"/>
               </a:rPr>
-              <a:t>Done by:</a:t>
+              <a:t>GRAPH </a:t>
             </a:r>
-          </a:p>
-          <a:p>
-            <a:pPr>
-              <a:lnSpc>
-                <a:spcPct val="90000"/>
-              </a:lnSpc>
-            </a:pPr>
             <a:r>
-              <a:rPr lang="en-US" sz="1600" dirty="0">
+              <a:rPr lang="en-US" sz="1600" smtClean="0">
                 <a:solidFill>
                   <a:schemeClr val="bg1"/>
                 </a:solidFill>
+                <a:effectLst/>
                 <a:latin typeface="Verdana" panose="020B0604030504040204" pitchFamily="34" charset="0"/>
+                <a:ea typeface="Times New Roman" panose="02020603050405020304" pitchFamily="18" charset="0"/>
                 <a:cs typeface="Times New Roman" panose="02020603050405020304" pitchFamily="18" charset="0"/>
               </a:rPr>
-              <a:t>Eshaan Mathur(RVCE22BCS070)</a:t>
+              <a:t>CALCULATOR</a:t>
             </a:r>
-          </a:p>
-          <a:p>
-            <a:pPr>
-              <a:lnSpc>
-                <a:spcPct val="90000"/>
-              </a:lnSpc>
-            </a:pPr>
-            <a:r>
-              <a:rPr lang="en-US" sz="1600" dirty="0">
-                <a:solidFill>
-                  <a:schemeClr val="bg1"/>
-                </a:solidFill>
-                <a:latin typeface="Verdana" panose="020B0604030504040204" pitchFamily="34" charset="0"/>
-                <a:cs typeface="Times New Roman" panose="02020603050405020304" pitchFamily="18" charset="0"/>
-              </a:rPr>
-              <a:t>Bandaru Jnyandeep(RVCE22BCY043)</a:t>
-            </a:r>
+            <a:endParaRPr lang="en-US" sz="1600" dirty="0">
+              <a:solidFill>
+                <a:schemeClr val="bg1"/>
+              </a:solidFill>
+              <a:effectLst/>
+              <a:latin typeface="Verdana" panose="020B0604030504040204" pitchFamily="34" charset="0"/>
+              <a:ea typeface="Times New Roman" panose="02020603050405020304" pitchFamily="18" charset="0"/>
+              <a:cs typeface="Times New Roman" panose="02020603050405020304" pitchFamily="18" charset="0"/>
+            </a:endParaRPr>
           </a:p>
         </p:txBody>
       </p:sp>
@@ -26669,7 +26651,7 @@
                 <a16:creationId xmlns:a16="http://schemas.microsoft.com/office/drawing/2014/main" id="{0772CE55-4C36-44F1-A9BD-379BEB84317D}"/>
               </a:ext>
               <a:ext uri="{C183D7F6-B498-43B3-948B-1728B52AA6E4}">
-                <adec:decorative xmlns="" xmlns:adec="http://schemas.microsoft.com/office/drawing/2017/decorative" val="1"/>
+                <adec:decorative xmlns:adec="http://schemas.microsoft.com/office/drawing/2017/decorative" xmlns="" val="1"/>
               </a:ext>
             </a:extLst>
           </p:cNvPr>
@@ -26771,7 +26753,7 @@
                 <a16:creationId xmlns:a16="http://schemas.microsoft.com/office/drawing/2014/main" id="{C617B5E7-82EF-4F98-88F9-C0D5A5E8239B}"/>
               </a:ext>
               <a:ext uri="{C183D7F6-B498-43B3-948B-1728B52AA6E4}">
-                <adec:decorative xmlns="" xmlns:adec="http://schemas.microsoft.com/office/drawing/2017/decorative" val="1"/>
+                <adec:decorative xmlns:adec="http://schemas.microsoft.com/office/drawing/2017/decorative" xmlns="" val="1"/>
               </a:ext>
             </a:extLst>
           </p:cNvPr>
@@ -26802,7 +26784,7 @@
                   <a16:creationId xmlns:a16="http://schemas.microsoft.com/office/drawing/2014/main" id="{EDA38C96-883D-497B-8F5D-D7E435243DA2}"/>
                 </a:ext>
                 <a:ext uri="{C183D7F6-B498-43B3-948B-1728B52AA6E4}">
-                  <adec:decorative xmlns="" xmlns:adec="http://schemas.microsoft.com/office/drawing/2017/decorative" val="1"/>
+                  <adec:decorative xmlns:adec="http://schemas.microsoft.com/office/drawing/2017/decorative" xmlns="" val="1"/>
                 </a:ext>
               </a:extLst>
             </p:cNvPr>
@@ -26847,7 +26829,7 @@
                   <a16:creationId xmlns:a16="http://schemas.microsoft.com/office/drawing/2014/main" id="{DB488A02-ECF8-47A5-806C-8CDF9935E681}"/>
                 </a:ext>
                 <a:ext uri="{C183D7F6-B498-43B3-948B-1728B52AA6E4}">
-                  <adec:decorative xmlns="" xmlns:adec="http://schemas.microsoft.com/office/drawing/2017/decorative" val="1"/>
+                  <adec:decorative xmlns:adec="http://schemas.microsoft.com/office/drawing/2017/decorative" xmlns="" val="1"/>
                 </a:ext>
               </a:extLst>
             </p:cNvPr>
@@ -26896,7 +26878,7 @@
                   <a16:creationId xmlns:a16="http://schemas.microsoft.com/office/drawing/2014/main" id="{40566D3B-3450-407D-9C9E-622BF0D9786C}"/>
                 </a:ext>
                 <a:ext uri="{C183D7F6-B498-43B3-948B-1728B52AA6E4}">
-                  <adec:decorative xmlns="" xmlns:adec="http://schemas.microsoft.com/office/drawing/2017/decorative" val="1"/>
+                  <adec:decorative xmlns:adec="http://schemas.microsoft.com/office/drawing/2017/decorative" xmlns="" val="1"/>
                 </a:ext>
               </a:extLst>
             </p:cNvPr>
@@ -26940,7 +26922,7 @@
                   <a16:creationId xmlns:a16="http://schemas.microsoft.com/office/drawing/2014/main" id="{04FE625F-F961-4FE5-95C8-0AE28A5D55C3}"/>
                 </a:ext>
                 <a:ext uri="{C183D7F6-B498-43B3-948B-1728B52AA6E4}">
-                  <adec:decorative xmlns="" xmlns:adec="http://schemas.microsoft.com/office/drawing/2017/decorative" val="1"/>
+                  <adec:decorative xmlns:adec="http://schemas.microsoft.com/office/drawing/2017/decorative" xmlns="" val="1"/>
                 </a:ext>
               </a:extLst>
             </p:cNvPr>
@@ -26985,7 +26967,7 @@
                 <a16:creationId xmlns:a16="http://schemas.microsoft.com/office/drawing/2014/main" id="{F54A39E9-7329-429E-AA37-59887458780F}"/>
               </a:ext>
               <a:ext uri="{C183D7F6-B498-43B3-948B-1728B52AA6E4}">
-                <adec:decorative xmlns="" xmlns:adec="http://schemas.microsoft.com/office/drawing/2017/decorative" val="1"/>
+                <adec:decorative xmlns:adec="http://schemas.microsoft.com/office/drawing/2017/decorative" xmlns="" val="1"/>
               </a:ext>
             </a:extLst>
           </p:cNvPr>
@@ -27033,7 +27015,7 @@
                 <a16:creationId xmlns:a16="http://schemas.microsoft.com/office/drawing/2014/main" id="{1D39ECD8-0E3E-43C1-9E56-3604E9A15E7B}"/>
               </a:ext>
               <a:ext uri="{C183D7F6-B498-43B3-948B-1728B52AA6E4}">
-                <adec:decorative xmlns="" xmlns:adec="http://schemas.microsoft.com/office/drawing/2017/decorative" val="1"/>
+                <adec:decorative xmlns:adec="http://schemas.microsoft.com/office/drawing/2017/decorative" xmlns="" val="1"/>
               </a:ext>
             </a:extLst>
           </p:cNvPr>
@@ -27093,7 +27075,7 @@
                 <a16:creationId xmlns:a16="http://schemas.microsoft.com/office/drawing/2014/main" id="{1B592F0F-402B-4FF5-BC6B-00A024655AB3}"/>
               </a:ext>
               <a:ext uri="{C183D7F6-B498-43B3-948B-1728B52AA6E4}">
-                <adec:decorative xmlns="" xmlns:adec="http://schemas.microsoft.com/office/drawing/2017/decorative" val="1"/>
+                <adec:decorative xmlns:adec="http://schemas.microsoft.com/office/drawing/2017/decorative" xmlns="" val="1"/>
               </a:ext>
             </a:extLst>
           </p:cNvPr>
@@ -27124,7 +27106,7 @@
                   <a16:creationId xmlns:a16="http://schemas.microsoft.com/office/drawing/2014/main" id="{8EF0DA20-3B85-45BF-BA3A-BFB1E8447C8D}"/>
                 </a:ext>
                 <a:ext uri="{C183D7F6-B498-43B3-948B-1728B52AA6E4}">
-                  <adec:decorative xmlns="" xmlns:adec="http://schemas.microsoft.com/office/drawing/2017/decorative" val="1"/>
+                  <adec:decorative xmlns:adec="http://schemas.microsoft.com/office/drawing/2017/decorative" xmlns="" val="1"/>
                 </a:ext>
               </a:extLst>
             </p:cNvPr>
@@ -27169,7 +27151,7 @@
                   <a16:creationId xmlns:a16="http://schemas.microsoft.com/office/drawing/2014/main" id="{8777C3F1-A465-43B3-85B0-DD54F9F15255}"/>
                 </a:ext>
                 <a:ext uri="{C183D7F6-B498-43B3-948B-1728B52AA6E4}">
-                  <adec:decorative xmlns="" xmlns:adec="http://schemas.microsoft.com/office/drawing/2017/decorative" val="1"/>
+                  <adec:decorative xmlns:adec="http://schemas.microsoft.com/office/drawing/2017/decorative" xmlns="" val="1"/>
                 </a:ext>
               </a:extLst>
             </p:cNvPr>
@@ -27218,7 +27200,7 @@
                   <a16:creationId xmlns:a16="http://schemas.microsoft.com/office/drawing/2014/main" id="{1DB29FDA-E291-482E-AAF5-3E0C5C3214AF}"/>
                 </a:ext>
                 <a:ext uri="{C183D7F6-B498-43B3-948B-1728B52AA6E4}">
-                  <adec:decorative xmlns="" xmlns:adec="http://schemas.microsoft.com/office/drawing/2017/decorative" val="1"/>
+                  <adec:decorative xmlns:adec="http://schemas.microsoft.com/office/drawing/2017/decorative" xmlns="" val="1"/>
                 </a:ext>
               </a:extLst>
             </p:cNvPr>
@@ -27262,7 +27244,7 @@
                   <a16:creationId xmlns:a16="http://schemas.microsoft.com/office/drawing/2014/main" id="{00024A88-E45C-43D3-B94F-346AF518B1C8}"/>
                 </a:ext>
                 <a:ext uri="{C183D7F6-B498-43B3-948B-1728B52AA6E4}">
-                  <adec:decorative xmlns="" xmlns:adec="http://schemas.microsoft.com/office/drawing/2017/decorative" val="1"/>
+                  <adec:decorative xmlns:adec="http://schemas.microsoft.com/office/drawing/2017/decorative" xmlns="" val="1"/>
                 </a:ext>
               </a:extLst>
             </p:cNvPr>
@@ -27342,7 +27324,7 @@
                 <a16:creationId xmlns:a16="http://schemas.microsoft.com/office/drawing/2014/main" id="{DFBD34B5-7777-4A8A-8ED2-97A4A3C273A2}"/>
               </a:ext>
               <a:ext uri="{C183D7F6-B498-43B3-948B-1728B52AA6E4}">
-                <adec:decorative xmlns="" xmlns:adec="http://schemas.microsoft.com/office/drawing/2017/decorative" val="1"/>
+                <adec:decorative xmlns:adec="http://schemas.microsoft.com/office/drawing/2017/decorative" xmlns="" val="1"/>
               </a:ext>
             </a:extLst>
           </p:cNvPr>
@@ -27424,7 +27406,7 @@
                 <a16:creationId xmlns:a16="http://schemas.microsoft.com/office/drawing/2014/main" id="{018F8D27-BFDB-4BF9-A512-FF930275B484}"/>
               </a:ext>
               <a:ext uri="{C183D7F6-B498-43B3-948B-1728B52AA6E4}">
-                <adec:decorative xmlns="" xmlns:adec="http://schemas.microsoft.com/office/drawing/2017/decorative" val="1"/>
+                <adec:decorative xmlns:adec="http://schemas.microsoft.com/office/drawing/2017/decorative" xmlns="" val="1"/>
               </a:ext>
             </a:extLst>
           </p:cNvPr>
@@ -27638,7 +27620,7 @@
                 <a16:creationId xmlns:a16="http://schemas.microsoft.com/office/drawing/2014/main" id="{F733538D-5433-42E7-AA08-DC5FDEDA47A7}"/>
               </a:ext>
               <a:ext uri="{C183D7F6-B498-43B3-948B-1728B52AA6E4}">
-                <adec:decorative xmlns="" xmlns:adec="http://schemas.microsoft.com/office/drawing/2017/decorative" val="1"/>
+                <adec:decorative xmlns:adec="http://schemas.microsoft.com/office/drawing/2017/decorative" xmlns="" val="1"/>
               </a:ext>
             </a:extLst>
           </p:cNvPr>
@@ -27849,7 +27831,7 @@
                 <a16:creationId xmlns:a16="http://schemas.microsoft.com/office/drawing/2014/main" id="{52BE4420-3B5F-4549-8B4A-77855B8215EC}"/>
               </a:ext>
               <a:ext uri="{C183D7F6-B498-43B3-948B-1728B52AA6E4}">
-                <adec:decorative xmlns="" xmlns:adec="http://schemas.microsoft.com/office/drawing/2017/decorative" val="1"/>
+                <adec:decorative xmlns:adec="http://schemas.microsoft.com/office/drawing/2017/decorative" xmlns="" val="1"/>
               </a:ext>
             </a:extLst>
           </p:cNvPr>
@@ -27909,7 +27891,7 @@
                 <a16:creationId xmlns:a16="http://schemas.microsoft.com/office/drawing/2014/main" id="{A75876F6-95D4-48CB-8E3E-4401A96E25A4}"/>
               </a:ext>
               <a:ext uri="{C183D7F6-B498-43B3-948B-1728B52AA6E4}">
-                <adec:decorative xmlns="" xmlns:adec="http://schemas.microsoft.com/office/drawing/2017/decorative" val="1"/>
+                <adec:decorative xmlns:adec="http://schemas.microsoft.com/office/drawing/2017/decorative" xmlns="" val="1"/>
               </a:ext>
             </a:extLst>
           </p:cNvPr>
@@ -27991,7 +27973,7 @@
                 <a16:creationId xmlns:a16="http://schemas.microsoft.com/office/drawing/2014/main" id="{D1B84719-90BB-4D0C-92D8-61DC5512B34B}"/>
               </a:ext>
               <a:ext uri="{C183D7F6-B498-43B3-948B-1728B52AA6E4}">
-                <adec:decorative xmlns="" xmlns:adec="http://schemas.microsoft.com/office/drawing/2017/decorative" val="1"/>
+                <adec:decorative xmlns:adec="http://schemas.microsoft.com/office/drawing/2017/decorative" xmlns="" val="1"/>
               </a:ext>
             </a:extLst>
           </p:cNvPr>
@@ -28086,7 +28068,7 @@
                 <a16:creationId xmlns:a16="http://schemas.microsoft.com/office/drawing/2014/main" id="{7B407EC4-5D16-4845-9840-4E28622B6568}"/>
               </a:ext>
               <a:ext uri="{C183D7F6-B498-43B3-948B-1728B52AA6E4}">
-                <adec:decorative xmlns="" xmlns:adec="http://schemas.microsoft.com/office/drawing/2017/decorative" val="1"/>
+                <adec:decorative xmlns:adec="http://schemas.microsoft.com/office/drawing/2017/decorative" xmlns="" val="1"/>
               </a:ext>
             </a:extLst>
           </p:cNvPr>
@@ -28464,7 +28446,7 @@
                 <a16:creationId xmlns:a16="http://schemas.microsoft.com/office/drawing/2014/main" id="{52BE4420-3B5F-4549-8B4A-77855B8215EC}"/>
               </a:ext>
               <a:ext uri="{C183D7F6-B498-43B3-948B-1728B52AA6E4}">
-                <adec:decorative xmlns="" xmlns:adec="http://schemas.microsoft.com/office/drawing/2017/decorative" val="1"/>
+                <adec:decorative xmlns:adec="http://schemas.microsoft.com/office/drawing/2017/decorative" xmlns="" val="1"/>
               </a:ext>
             </a:extLst>
           </p:cNvPr>
@@ -28524,7 +28506,7 @@
                 <a16:creationId xmlns:a16="http://schemas.microsoft.com/office/drawing/2014/main" id="{A75876F6-95D4-48CB-8E3E-4401A96E25A4}"/>
               </a:ext>
               <a:ext uri="{C183D7F6-B498-43B3-948B-1728B52AA6E4}">
-                <adec:decorative xmlns="" xmlns:adec="http://schemas.microsoft.com/office/drawing/2017/decorative" val="1"/>
+                <adec:decorative xmlns:adec="http://schemas.microsoft.com/office/drawing/2017/decorative" xmlns="" val="1"/>
               </a:ext>
             </a:extLst>
           </p:cNvPr>
@@ -28606,7 +28588,7 @@
                 <a16:creationId xmlns:a16="http://schemas.microsoft.com/office/drawing/2014/main" id="{D1B84719-90BB-4D0C-92D8-61DC5512B34B}"/>
               </a:ext>
               <a:ext uri="{C183D7F6-B498-43B3-948B-1728B52AA6E4}">
-                <adec:decorative xmlns="" xmlns:adec="http://schemas.microsoft.com/office/drawing/2017/decorative" val="1"/>
+                <adec:decorative xmlns:adec="http://schemas.microsoft.com/office/drawing/2017/decorative" xmlns="" val="1"/>
               </a:ext>
             </a:extLst>
           </p:cNvPr>
@@ -28701,7 +28683,7 @@
                 <a16:creationId xmlns:a16="http://schemas.microsoft.com/office/drawing/2014/main" id="{7B407EC4-5D16-4845-9840-4E28622B6568}"/>
               </a:ext>
               <a:ext uri="{C183D7F6-B498-43B3-948B-1728B52AA6E4}">
-                <adec:decorative xmlns="" xmlns:adec="http://schemas.microsoft.com/office/drawing/2017/decorative" val="1"/>
+                <adec:decorative xmlns:adec="http://schemas.microsoft.com/office/drawing/2017/decorative" xmlns="" val="1"/>
               </a:ext>
             </a:extLst>
           </p:cNvPr>
@@ -28958,7 +28940,7 @@
                 <a16:creationId xmlns:a16="http://schemas.microsoft.com/office/drawing/2014/main" id="{3F6D81C7-B083-478E-82FE-089A8CB72EB8}"/>
               </a:ext>
               <a:ext uri="{C183D7F6-B498-43B3-948B-1728B52AA6E4}">
-                <adec:decorative xmlns="" xmlns:adec="http://schemas.microsoft.com/office/drawing/2017/decorative" val="1"/>
+                <adec:decorative xmlns:adec="http://schemas.microsoft.com/office/drawing/2017/decorative" xmlns="" val="1"/>
               </a:ext>
             </a:extLst>
           </p:cNvPr>
@@ -28989,7 +28971,7 @@
                   <a16:creationId xmlns:a16="http://schemas.microsoft.com/office/drawing/2014/main" id="{8398EDA2-4889-433D-AC01-5214D79764ED}"/>
                 </a:ext>
                 <a:ext uri="{C183D7F6-B498-43B3-948B-1728B52AA6E4}">
-                  <adec:decorative xmlns="" xmlns:adec="http://schemas.microsoft.com/office/drawing/2017/decorative" val="1"/>
+                  <adec:decorative xmlns:adec="http://schemas.microsoft.com/office/drawing/2017/decorative" xmlns="" val="1"/>
                 </a:ext>
               </a:extLst>
             </p:cNvPr>
@@ -29034,7 +29016,7 @@
                   <a16:creationId xmlns:a16="http://schemas.microsoft.com/office/drawing/2014/main" id="{0099D46A-AF52-46FD-938B-D31189460A2F}"/>
                 </a:ext>
                 <a:ext uri="{C183D7F6-B498-43B3-948B-1728B52AA6E4}">
-                  <adec:decorative xmlns="" xmlns:adec="http://schemas.microsoft.com/office/drawing/2017/decorative" val="1"/>
+                  <adec:decorative xmlns:adec="http://schemas.microsoft.com/office/drawing/2017/decorative" xmlns="" val="1"/>
                 </a:ext>
               </a:extLst>
             </p:cNvPr>
@@ -29083,7 +29065,7 @@
                   <a16:creationId xmlns:a16="http://schemas.microsoft.com/office/drawing/2014/main" id="{C933E919-C473-4F0E-9DBC-CC65FC9E926E}"/>
                 </a:ext>
                 <a:ext uri="{C183D7F6-B498-43B3-948B-1728B52AA6E4}">
-                  <adec:decorative xmlns="" xmlns:adec="http://schemas.microsoft.com/office/drawing/2017/decorative" val="1"/>
+                  <adec:decorative xmlns:adec="http://schemas.microsoft.com/office/drawing/2017/decorative" xmlns="" val="1"/>
                 </a:ext>
               </a:extLst>
             </p:cNvPr>
@@ -29127,7 +29109,7 @@
                   <a16:creationId xmlns:a16="http://schemas.microsoft.com/office/drawing/2014/main" id="{FBBF3BDD-5C99-4FDC-BBCB-E711359D93F6}"/>
                 </a:ext>
                 <a:ext uri="{C183D7F6-B498-43B3-948B-1728B52AA6E4}">
-                  <adec:decorative xmlns="" xmlns:adec="http://schemas.microsoft.com/office/drawing/2017/decorative" val="1"/>
+                  <adec:decorative xmlns:adec="http://schemas.microsoft.com/office/drawing/2017/decorative" xmlns="" val="1"/>
                 </a:ext>
               </a:extLst>
             </p:cNvPr>
@@ -29172,7 +29154,7 @@
                 <a16:creationId xmlns:a16="http://schemas.microsoft.com/office/drawing/2014/main" id="{F06B54F2-CD11-4359-A7D6-DA7C76C091A6}"/>
               </a:ext>
               <a:ext uri="{C183D7F6-B498-43B3-948B-1728B52AA6E4}">
-                <adec:decorative xmlns="" xmlns:adec="http://schemas.microsoft.com/office/drawing/2017/decorative" val="1"/>
+                <adec:decorative xmlns:adec="http://schemas.microsoft.com/office/drawing/2017/decorative" xmlns="" val="1"/>
               </a:ext>
             </a:extLst>
           </p:cNvPr>
@@ -29220,7 +29202,7 @@
                 <a16:creationId xmlns:a16="http://schemas.microsoft.com/office/drawing/2014/main" id="{333F0879-3DA0-4CB8-B35E-A0AD42558191}"/>
               </a:ext>
               <a:ext uri="{C183D7F6-B498-43B3-948B-1728B52AA6E4}">
-                <adec:decorative xmlns="" xmlns:adec="http://schemas.microsoft.com/office/drawing/2017/decorative" val="1"/>
+                <adec:decorative xmlns:adec="http://schemas.microsoft.com/office/drawing/2017/decorative" xmlns="" val="1"/>
               </a:ext>
             </a:extLst>
           </p:cNvPr>
@@ -29280,7 +29262,7 @@
                 <a16:creationId xmlns:a16="http://schemas.microsoft.com/office/drawing/2014/main" id="{324D2183-F388-476E-92A9-D6639D698580}"/>
               </a:ext>
               <a:ext uri="{C183D7F6-B498-43B3-948B-1728B52AA6E4}">
-                <adec:decorative xmlns="" xmlns:adec="http://schemas.microsoft.com/office/drawing/2017/decorative" val="1"/>
+                <adec:decorative xmlns:adec="http://schemas.microsoft.com/office/drawing/2017/decorative" xmlns="" val="1"/>
               </a:ext>
             </a:extLst>
           </p:cNvPr>
@@ -29362,7 +29344,7 @@
                 <a16:creationId xmlns:a16="http://schemas.microsoft.com/office/drawing/2014/main" id="{243462E7-1698-4B21-BE89-AEFAC7C2FEFA}"/>
               </a:ext>
               <a:ext uri="{C183D7F6-B498-43B3-948B-1728B52AA6E4}">
-                <adec:decorative xmlns="" xmlns:adec="http://schemas.microsoft.com/office/drawing/2017/decorative" val="1"/>
+                <adec:decorative xmlns:adec="http://schemas.microsoft.com/office/drawing/2017/decorative" xmlns="" val="1"/>
               </a:ext>
             </a:extLst>
           </p:cNvPr>
@@ -29413,7 +29395,7 @@
                 <a16:creationId xmlns:a16="http://schemas.microsoft.com/office/drawing/2014/main" id="{6C22FCAC-D7EC-4A52-B153-FF761E2235B3}"/>
               </a:ext>
               <a:ext uri="{C183D7F6-B498-43B3-948B-1728B52AA6E4}">
-                <adec:decorative xmlns="" xmlns:adec="http://schemas.microsoft.com/office/drawing/2017/decorative" val="1"/>
+                <adec:decorative xmlns:adec="http://schemas.microsoft.com/office/drawing/2017/decorative" xmlns="" val="1"/>
               </a:ext>
             </a:extLst>
           </p:cNvPr>
